--- a/Sprint 3 - Hackaton.pptx
+++ b/Sprint 3 - Hackaton.pptx
@@ -11,12 +11,12 @@
   </p:notesMasterIdLst>
   <p:sldIdLst>
     <p:sldId id="256" r:id="rId4"/>
-    <p:sldId id="257" r:id="rId5"/>
-    <p:sldId id="258" r:id="rId6"/>
-    <p:sldId id="259" r:id="rId7"/>
-    <p:sldId id="260" r:id="rId8"/>
-    <p:sldId id="261" r:id="rId9"/>
-    <p:sldId id="262" r:id="rId10"/>
+    <p:sldId id="258" r:id="rId5"/>
+    <p:sldId id="259" r:id="rId6"/>
+    <p:sldId id="260" r:id="rId7"/>
+    <p:sldId id="261" r:id="rId8"/>
+    <p:sldId id="262" r:id="rId9"/>
+    <p:sldId id="263" r:id="rId10"/>
   </p:sldIdLst>
   <p:sldSz cx="9144000" cy="5143500" type="screen16x9"/>
   <p:notesSz cx="6858000" cy="9144000"/>
@@ -264,6 +264,11 @@
       </a:defRPr>
     </a:lvl9pPr>
   </p:defaultTextStyle>
+  <p:extLst>
+    <p:ext uri="{EFAFB233-063F-42B5-8137-9DF3F51BA10A}">
+      <p15:sldGuideLst xmlns:p15="http://schemas.microsoft.com/office/powerpoint/2012/main"/>
+    </p:ext>
+  </p:extLst>
 </p:presentation>
 </file>
 
@@ -983,140 +988,6 @@
   <p:cSld>
     <p:spTree>
       <p:nvGrpSpPr>
-        <p:cNvPr id="1" name="Shape 111"/>
-        <p:cNvGrpSpPr/>
-        <p:nvPr/>
-      </p:nvGrpSpPr>
-      <p:grpSpPr>
-        <a:xfrm>
-          <a:off x="0" y="0"/>
-          <a:ext cx="0" cy="0"/>
-          <a:chOff x="0" y="0"/>
-          <a:chExt cx="0" cy="0"/>
-        </a:xfrm>
-      </p:grpSpPr>
-      <p:sp>
-        <p:nvSpPr>
-          <p:cNvPr id="112" name="Google Shape;112;g3c99e3517c_0_0:notes"/>
-          <p:cNvSpPr>
-            <a:spLocks noGrp="1" noRot="1" noChangeAspect="1"/>
-          </p:cNvSpPr>
-          <p:nvPr>
-            <p:ph type="sldImg" idx="2"/>
-          </p:nvPr>
-        </p:nvSpPr>
-        <p:spPr>
-          <a:xfrm>
-            <a:off x="381000" y="685800"/>
-            <a:ext cx="6096000" cy="3429000"/>
-          </a:xfrm>
-          <a:custGeom>
-            <a:avLst/>
-            <a:gdLst/>
-            <a:ahLst/>
-            <a:cxnLst/>
-            <a:rect l="0" t="0" r="0" b="0"/>
-            <a:pathLst>
-              <a:path w="120000" h="120000" extrusionOk="0">
-                <a:moveTo>
-                  <a:pt x="0" y="0"/>
-                </a:moveTo>
-                <a:lnTo>
-                  <a:pt x="120000" y="0"/>
-                </a:lnTo>
-                <a:lnTo>
-                  <a:pt x="120000" y="120000"/>
-                </a:lnTo>
-                <a:lnTo>
-                  <a:pt x="0" y="120000"/>
-                </a:lnTo>
-                <a:close/>
-              </a:path>
-            </a:pathLst>
-          </a:custGeom>
-          <a:noFill/>
-          <a:ln w="9525" cap="flat" cmpd="sng">
-            <a:solidFill>
-              <a:srgbClr val="000000"/>
-            </a:solidFill>
-            <a:prstDash val="solid"/>
-            <a:round/>
-            <a:headEnd type="none" w="sm" len="sm"/>
-            <a:tailEnd type="none" w="sm" len="sm"/>
-          </a:ln>
-        </p:spPr>
-      </p:sp>
-      <p:sp>
-        <p:nvSpPr>
-          <p:cNvPr id="113" name="Google Shape;113;g3c99e3517c_0_0:notes"/>
-          <p:cNvSpPr txBox="1">
-            <a:spLocks noGrp="1"/>
-          </p:cNvSpPr>
-          <p:nvPr>
-            <p:ph type="body" idx="1"/>
-          </p:nvPr>
-        </p:nvSpPr>
-        <p:spPr>
-          <a:xfrm>
-            <a:off x="685800" y="4343400"/>
-            <a:ext cx="5486400" cy="4114800"/>
-          </a:xfrm>
-          <a:prstGeom prst="rect">
-            <a:avLst/>
-          </a:prstGeom>
-          <a:noFill/>
-          <a:ln>
-            <a:noFill/>
-          </a:ln>
-        </p:spPr>
-        <p:txBody>
-          <a:bodyPr spcFirstLastPara="1" wrap="square" lIns="91425" tIns="91425" rIns="91425" bIns="91425" anchor="t" anchorCtr="0">
-            <a:noAutofit/>
-          </a:bodyPr>
-          <a:lstStyle/>
-          <a:p>
-            <a:pPr marL="0" marR="0" lvl="0" indent="0" algn="l" rtl="0">
-              <a:lnSpc>
-                <a:spcPct val="115000"/>
-              </a:lnSpc>
-              <a:spcBef>
-                <a:spcPts val="0"/>
-              </a:spcBef>
-              <a:spcAft>
-                <a:spcPts val="0"/>
-              </a:spcAft>
-              <a:buClr>
-                <a:schemeClr val="dk1"/>
-              </a:buClr>
-              <a:buSzPts val="1100"/>
-              <a:buFont typeface="Arial"/>
-              <a:buNone/>
-            </a:pPr>
-            <a:endParaRPr sz="1100" b="0" i="0" u="none" strike="noStrike" cap="none">
-              <a:solidFill>
-                <a:srgbClr val="000000"/>
-              </a:solidFill>
-              <a:latin typeface="Arial"/>
-              <a:ea typeface="Arial"/>
-              <a:cs typeface="Arial"/>
-              <a:sym typeface="Arial"/>
-            </a:endParaRPr>
-          </a:p>
-        </p:txBody>
-      </p:sp>
-    </p:spTree>
-  </p:cSld>
-  <p:clrMapOvr>
-    <a:masterClrMapping/>
-  </p:clrMapOvr>
-</p:notes>
-</file>
-
-<file path=ppt/notesSlides/notesSlide3.xml><?xml version="1.0" encoding="utf-8"?>
-<p:notes xmlns:a="http://schemas.openxmlformats.org/drawingml/2006/main" xmlns:r="http://schemas.openxmlformats.org/officeDocument/2006/relationships" xmlns:p="http://schemas.openxmlformats.org/presentationml/2006/main" showMasterSp="0" showMasterPhAnim="0">
-  <p:cSld>
-    <p:spTree>
-      <p:nvGrpSpPr>
         <p:cNvPr id="1" name="Shape 119"/>
         <p:cNvGrpSpPr/>
         <p:nvPr/>
@@ -1246,7 +1117,7 @@
 </p:notes>
 </file>
 
-<file path=ppt/notesSlides/notesSlide4.xml><?xml version="1.0" encoding="utf-8"?>
+<file path=ppt/notesSlides/notesSlide3.xml><?xml version="1.0" encoding="utf-8"?>
 <p:notes xmlns:a="http://schemas.openxmlformats.org/drawingml/2006/main" xmlns:r="http://schemas.openxmlformats.org/officeDocument/2006/relationships" xmlns:p="http://schemas.openxmlformats.org/presentationml/2006/main" showMasterSp="0" showMasterPhAnim="0">
   <p:cSld>
     <p:spTree>
@@ -1380,7 +1251,7 @@
 </p:notes>
 </file>
 
-<file path=ppt/notesSlides/notesSlide5.xml><?xml version="1.0" encoding="utf-8"?>
+<file path=ppt/notesSlides/notesSlide4.xml><?xml version="1.0" encoding="utf-8"?>
 <p:notes xmlns:a="http://schemas.openxmlformats.org/drawingml/2006/main" xmlns:r="http://schemas.openxmlformats.org/officeDocument/2006/relationships" xmlns:p="http://schemas.openxmlformats.org/presentationml/2006/main" showMasterSp="0" showMasterPhAnim="0">
   <p:cSld>
     <p:spTree>
@@ -1545,7 +1416,7 @@
 </p:notes>
 </file>
 
-<file path=ppt/notesSlides/notesSlide6.xml><?xml version="1.0" encoding="utf-8"?>
+<file path=ppt/notesSlides/notesSlide5.xml><?xml version="1.0" encoding="utf-8"?>
 <p:notes xmlns:a="http://schemas.openxmlformats.org/drawingml/2006/main" xmlns:r="http://schemas.openxmlformats.org/officeDocument/2006/relationships" xmlns:p="http://schemas.openxmlformats.org/presentationml/2006/main" showMasterSp="0" showMasterPhAnim="0">
   <p:cSld>
     <p:spTree>
@@ -1687,6 +1558,140 @@
                 <a:schemeClr val="dk1"/>
               </a:buClr>
               <a:buSzPts val="1100"/>
+              <a:buFont typeface="Arial"/>
+              <a:buNone/>
+            </a:pPr>
+            <a:endParaRPr sz="1100" b="0" i="0" u="none" strike="noStrike" cap="none">
+              <a:solidFill>
+                <a:srgbClr val="000000"/>
+              </a:solidFill>
+              <a:latin typeface="Arial"/>
+              <a:ea typeface="Arial"/>
+              <a:cs typeface="Arial"/>
+              <a:sym typeface="Arial"/>
+            </a:endParaRPr>
+          </a:p>
+        </p:txBody>
+      </p:sp>
+    </p:spTree>
+  </p:cSld>
+  <p:clrMapOvr>
+    <a:masterClrMapping/>
+  </p:clrMapOvr>
+</p:notes>
+</file>
+
+<file path=ppt/notesSlides/notesSlide6.xml><?xml version="1.0" encoding="utf-8"?>
+<p:notes xmlns:a="http://schemas.openxmlformats.org/drawingml/2006/main" xmlns:r="http://schemas.openxmlformats.org/officeDocument/2006/relationships" xmlns:p="http://schemas.openxmlformats.org/presentationml/2006/main" showMasterSp="0" showMasterPhAnim="0">
+  <p:cSld>
+    <p:spTree>
+      <p:nvGrpSpPr>
+        <p:cNvPr id="1" name="Shape 164"/>
+        <p:cNvGrpSpPr/>
+        <p:nvPr/>
+      </p:nvGrpSpPr>
+      <p:grpSpPr>
+        <a:xfrm>
+          <a:off x="0" y="0"/>
+          <a:ext cx="0" cy="0"/>
+          <a:chOff x="0" y="0"/>
+          <a:chExt cx="0" cy="0"/>
+        </a:xfrm>
+      </p:grpSpPr>
+      <p:sp>
+        <p:nvSpPr>
+          <p:cNvPr id="165" name="Google Shape;165;g35d27edf21_0_424:notes"/>
+          <p:cNvSpPr>
+            <a:spLocks noGrp="1" noRot="1" noChangeAspect="1"/>
+          </p:cNvSpPr>
+          <p:nvPr>
+            <p:ph type="sldImg" idx="2"/>
+          </p:nvPr>
+        </p:nvSpPr>
+        <p:spPr>
+          <a:xfrm>
+            <a:off x="381000" y="685800"/>
+            <a:ext cx="6096000" cy="3429000"/>
+          </a:xfrm>
+          <a:custGeom>
+            <a:avLst/>
+            <a:gdLst/>
+            <a:ahLst/>
+            <a:cxnLst/>
+            <a:rect l="0" t="0" r="0" b="0"/>
+            <a:pathLst>
+              <a:path w="120000" h="120000" extrusionOk="0">
+                <a:moveTo>
+                  <a:pt x="0" y="0"/>
+                </a:moveTo>
+                <a:lnTo>
+                  <a:pt x="120000" y="0"/>
+                </a:lnTo>
+                <a:lnTo>
+                  <a:pt x="120000" y="120000"/>
+                </a:lnTo>
+                <a:lnTo>
+                  <a:pt x="0" y="120000"/>
+                </a:lnTo>
+                <a:close/>
+              </a:path>
+            </a:pathLst>
+          </a:custGeom>
+          <a:noFill/>
+          <a:ln w="9525" cap="flat" cmpd="sng">
+            <a:solidFill>
+              <a:srgbClr val="000000"/>
+            </a:solidFill>
+            <a:prstDash val="solid"/>
+            <a:round/>
+            <a:headEnd type="none" w="sm" len="sm"/>
+            <a:tailEnd type="none" w="sm" len="sm"/>
+          </a:ln>
+        </p:spPr>
+      </p:sp>
+      <p:sp>
+        <p:nvSpPr>
+          <p:cNvPr id="166" name="Google Shape;166;g35d27edf21_0_424:notes"/>
+          <p:cNvSpPr txBox="1">
+            <a:spLocks noGrp="1"/>
+          </p:cNvSpPr>
+          <p:nvPr>
+            <p:ph type="body" idx="1"/>
+          </p:nvPr>
+        </p:nvSpPr>
+        <p:spPr>
+          <a:xfrm>
+            <a:off x="685800" y="4343400"/>
+            <a:ext cx="5486400" cy="4114800"/>
+          </a:xfrm>
+          <a:prstGeom prst="rect">
+            <a:avLst/>
+          </a:prstGeom>
+          <a:noFill/>
+          <a:ln>
+            <a:noFill/>
+          </a:ln>
+        </p:spPr>
+        <p:txBody>
+          <a:bodyPr spcFirstLastPara="1" wrap="square" lIns="91425" tIns="91425" rIns="91425" bIns="91425" anchor="t" anchorCtr="0">
+            <a:noAutofit/>
+          </a:bodyPr>
+          <a:lstStyle/>
+          <a:p>
+            <a:pPr marL="0" marR="0" lvl="0" indent="0" algn="l" rtl="0">
+              <a:lnSpc>
+                <a:spcPct val="100000"/>
+              </a:lnSpc>
+              <a:spcBef>
+                <a:spcPts val="0"/>
+              </a:spcBef>
+              <a:spcAft>
+                <a:spcPts val="0"/>
+              </a:spcAft>
+              <a:buClr>
+                <a:srgbClr val="000000"/>
+              </a:buClr>
+              <a:buSzPts val="1400"/>
               <a:buFont typeface="Arial"/>
               <a:buNone/>
             </a:pPr>
@@ -1837,6 +1842,11 @@
         </p:txBody>
       </p:sp>
     </p:spTree>
+    <p:extLst>
+      <p:ext uri="{BB962C8B-B14F-4D97-AF65-F5344CB8AC3E}">
+        <p14:creationId xmlns:p14="http://schemas.microsoft.com/office/powerpoint/2010/main" val="1795950114"/>
+      </p:ext>
+    </p:extLst>
   </p:cSld>
   <p:clrMapOvr>
     <a:masterClrMapping/>
@@ -23275,7 +23285,16 @@
                 <a:cs typeface="Bitter"/>
                 <a:sym typeface="Bitter"/>
               </a:rPr>
-              <a:t>Sprint 3 - Hackathon</a:t>
+              <a:t>Sprint 3 - </a:t>
+            </a:r>
+            <a:r>
+              <a:rPr lang="en" sz="4000" dirty="0" smtClean="0">
+                <a:latin typeface="Bitter"/>
+                <a:ea typeface="Bitter"/>
+                <a:cs typeface="Bitter"/>
+                <a:sym typeface="Bitter"/>
+              </a:rPr>
+              <a:t>Hackaton</a:t>
             </a:r>
             <a:endParaRPr sz="6000" dirty="0">
               <a:latin typeface="Bitter"/>
@@ -23409,336 +23428,6 @@
 </file>
 
 <file path=ppt/slides/slide2.xml><?xml version="1.0" encoding="utf-8"?>
-<p:sld xmlns:a="http://schemas.openxmlformats.org/drawingml/2006/main" xmlns:r="http://schemas.openxmlformats.org/officeDocument/2006/relationships" xmlns:p="http://schemas.openxmlformats.org/presentationml/2006/main">
-  <p:cSld>
-    <p:spTree>
-      <p:nvGrpSpPr>
-        <p:cNvPr id="1" name="Shape 114"/>
-        <p:cNvGrpSpPr/>
-        <p:nvPr/>
-      </p:nvGrpSpPr>
-      <p:grpSpPr>
-        <a:xfrm>
-          <a:off x="0" y="0"/>
-          <a:ext cx="0" cy="0"/>
-          <a:chOff x="0" y="0"/>
-          <a:chExt cx="0" cy="0"/>
-        </a:xfrm>
-      </p:grpSpPr>
-      <p:sp>
-        <p:nvSpPr>
-          <p:cNvPr id="115" name="Google Shape;115;p31"/>
-          <p:cNvSpPr txBox="1"/>
-          <p:nvPr/>
-        </p:nvSpPr>
-        <p:spPr>
-          <a:xfrm>
-            <a:off x="232363" y="262850"/>
-            <a:ext cx="8774400" cy="405300"/>
-          </a:xfrm>
-          <a:prstGeom prst="rect">
-            <a:avLst/>
-          </a:prstGeom>
-          <a:noFill/>
-          <a:ln>
-            <a:noFill/>
-          </a:ln>
-        </p:spPr>
-        <p:txBody>
-          <a:bodyPr spcFirstLastPara="1" wrap="square" lIns="91425" tIns="91425" rIns="91425" bIns="91425" anchor="ctr" anchorCtr="0">
-            <a:noAutofit/>
-          </a:bodyPr>
-          <a:lstStyle/>
-          <a:p>
-            <a:pPr marL="0" marR="0" lvl="0" indent="0" algn="l" rtl="0">
-              <a:lnSpc>
-                <a:spcPct val="100000"/>
-              </a:lnSpc>
-              <a:spcBef>
-                <a:spcPts val="0"/>
-              </a:spcBef>
-              <a:spcAft>
-                <a:spcPts val="0"/>
-              </a:spcAft>
-              <a:buClr>
-                <a:schemeClr val="dk1"/>
-              </a:buClr>
-              <a:buSzPts val="1100"/>
-              <a:buFont typeface="Arial"/>
-              <a:buNone/>
-            </a:pPr>
-            <a:r>
-              <a:rPr lang="en" sz="2800" b="1">
-                <a:solidFill>
-                  <a:schemeClr val="dk1"/>
-                </a:solidFill>
-                <a:latin typeface="Bitter"/>
-                <a:ea typeface="Bitter"/>
-                <a:cs typeface="Bitter"/>
-                <a:sym typeface="Bitter"/>
-              </a:rPr>
-              <a:t>Instruções</a:t>
-            </a:r>
-            <a:endParaRPr sz="2800" b="1">
-              <a:solidFill>
-                <a:schemeClr val="dk1"/>
-              </a:solidFill>
-              <a:latin typeface="Bitter"/>
-              <a:ea typeface="Bitter"/>
-              <a:cs typeface="Bitter"/>
-              <a:sym typeface="Bitter"/>
-            </a:endParaRPr>
-          </a:p>
-        </p:txBody>
-      </p:sp>
-      <p:pic>
-        <p:nvPicPr>
-          <p:cNvPr id="116" name="Google Shape;116;p31"/>
-          <p:cNvPicPr preferRelativeResize="0"/>
-          <p:nvPr/>
-        </p:nvPicPr>
-        <p:blipFill>
-          <a:blip r:embed="rId3">
-            <a:alphaModFix/>
-          </a:blip>
-          <a:stretch>
-            <a:fillRect/>
-          </a:stretch>
-        </p:blipFill>
-        <p:spPr>
-          <a:xfrm>
-            <a:off x="8602957" y="4581600"/>
-            <a:ext cx="367000" cy="367000"/>
-          </a:xfrm>
-          <a:prstGeom prst="rect">
-            <a:avLst/>
-          </a:prstGeom>
-          <a:noFill/>
-          <a:ln>
-            <a:noFill/>
-          </a:ln>
-        </p:spPr>
-      </p:pic>
-      <p:pic>
-        <p:nvPicPr>
-          <p:cNvPr id="117" name="Google Shape;117;p31"/>
-          <p:cNvPicPr preferRelativeResize="0"/>
-          <p:nvPr/>
-        </p:nvPicPr>
-        <p:blipFill rotWithShape="1">
-          <a:blip r:embed="rId4">
-            <a:alphaModFix/>
-          </a:blip>
-          <a:srcRect/>
-          <a:stretch/>
-        </p:blipFill>
-        <p:spPr>
-          <a:xfrm>
-            <a:off x="-9632" y="263580"/>
-            <a:ext cx="221193" cy="438437"/>
-          </a:xfrm>
-          <a:prstGeom prst="rect">
-            <a:avLst/>
-          </a:prstGeom>
-          <a:noFill/>
-          <a:ln>
-            <a:noFill/>
-          </a:ln>
-        </p:spPr>
-      </p:pic>
-      <p:sp>
-        <p:nvSpPr>
-          <p:cNvPr id="118" name="Google Shape;118;p31"/>
-          <p:cNvSpPr txBox="1"/>
-          <p:nvPr/>
-        </p:nvSpPr>
-        <p:spPr>
-          <a:xfrm>
-            <a:off x="559550" y="1215925"/>
-            <a:ext cx="8043300" cy="2292000"/>
-          </a:xfrm>
-          <a:prstGeom prst="rect">
-            <a:avLst/>
-          </a:prstGeom>
-          <a:noFill/>
-          <a:ln>
-            <a:noFill/>
-          </a:ln>
-        </p:spPr>
-        <p:txBody>
-          <a:bodyPr spcFirstLastPara="1" wrap="square" lIns="91425" tIns="91425" rIns="91425" bIns="91425" anchor="ctr" anchorCtr="0">
-            <a:noAutofit/>
-          </a:bodyPr>
-          <a:lstStyle/>
-          <a:p>
-            <a:pPr marL="457200" lvl="0" indent="-342900" algn="just" rtl="0">
-              <a:lnSpc>
-                <a:spcPct val="115000"/>
-              </a:lnSpc>
-              <a:spcBef>
-                <a:spcPts val="0"/>
-              </a:spcBef>
-              <a:spcAft>
-                <a:spcPts val="0"/>
-              </a:spcAft>
-              <a:buSzPts val="1800"/>
-              <a:buFont typeface="Open Sans"/>
-              <a:buChar char="●"/>
-            </a:pPr>
-            <a:r>
-              <a:rPr lang="en" sz="1800">
-                <a:latin typeface="Open Sans"/>
-                <a:ea typeface="Open Sans"/>
-                <a:cs typeface="Open Sans"/>
-                <a:sym typeface="Open Sans"/>
-              </a:rPr>
-              <a:t>Faça uma cópia desta apresentação para que possa editá-la com sua equipe</a:t>
-            </a:r>
-            <a:endParaRPr sz="1800">
-              <a:latin typeface="Open Sans"/>
-              <a:ea typeface="Open Sans"/>
-              <a:cs typeface="Open Sans"/>
-              <a:sym typeface="Open Sans"/>
-            </a:endParaRPr>
-          </a:p>
-          <a:p>
-            <a:pPr marL="0" lvl="0" indent="0" algn="just" rtl="0">
-              <a:lnSpc>
-                <a:spcPct val="115000"/>
-              </a:lnSpc>
-              <a:spcBef>
-                <a:spcPts val="0"/>
-              </a:spcBef>
-              <a:spcAft>
-                <a:spcPts val="0"/>
-              </a:spcAft>
-              <a:buNone/>
-            </a:pPr>
-            <a:endParaRPr sz="1800">
-              <a:latin typeface="Open Sans"/>
-              <a:ea typeface="Open Sans"/>
-              <a:cs typeface="Open Sans"/>
-              <a:sym typeface="Open Sans"/>
-            </a:endParaRPr>
-          </a:p>
-          <a:p>
-            <a:pPr marL="457200" lvl="0" indent="-342900" algn="just" rtl="0">
-              <a:lnSpc>
-                <a:spcPct val="115000"/>
-              </a:lnSpc>
-              <a:spcBef>
-                <a:spcPts val="0"/>
-              </a:spcBef>
-              <a:spcAft>
-                <a:spcPts val="0"/>
-              </a:spcAft>
-              <a:buSzPts val="1800"/>
-              <a:buFont typeface="Open Sans"/>
-              <a:buChar char="●"/>
-            </a:pPr>
-            <a:r>
-              <a:rPr lang="en" sz="1800">
-                <a:latin typeface="Open Sans"/>
-                <a:ea typeface="Open Sans"/>
-                <a:cs typeface="Open Sans"/>
-                <a:sym typeface="Open Sans"/>
-              </a:rPr>
-              <a:t>Use este template como um guia para a sua apresentação. Não é necessário modificar o formato ou desenho.</a:t>
-            </a:r>
-            <a:endParaRPr sz="1800">
-              <a:latin typeface="Open Sans"/>
-              <a:ea typeface="Open Sans"/>
-              <a:cs typeface="Open Sans"/>
-              <a:sym typeface="Open Sans"/>
-            </a:endParaRPr>
-          </a:p>
-          <a:p>
-            <a:pPr marL="0" lvl="0" indent="0" algn="just" rtl="0">
-              <a:lnSpc>
-                <a:spcPct val="115000"/>
-              </a:lnSpc>
-              <a:spcBef>
-                <a:spcPts val="0"/>
-              </a:spcBef>
-              <a:spcAft>
-                <a:spcPts val="0"/>
-              </a:spcAft>
-              <a:buNone/>
-            </a:pPr>
-            <a:endParaRPr sz="1800">
-              <a:latin typeface="Open Sans"/>
-              <a:ea typeface="Open Sans"/>
-              <a:cs typeface="Open Sans"/>
-              <a:sym typeface="Open Sans"/>
-            </a:endParaRPr>
-          </a:p>
-          <a:p>
-            <a:pPr marL="457200" lvl="0" indent="-342900" algn="just">
-              <a:lnSpc>
-                <a:spcPct val="115000"/>
-              </a:lnSpc>
-              <a:spcBef>
-                <a:spcPts val="0"/>
-              </a:spcBef>
-              <a:spcAft>
-                <a:spcPts val="0"/>
-              </a:spcAft>
-              <a:buSzPts val="1800"/>
-              <a:buFont typeface="Open Sans"/>
-              <a:buChar char="●"/>
-            </a:pPr>
-            <a:r>
-              <a:rPr lang="en" sz="1800">
-                <a:latin typeface="Open Sans"/>
-                <a:ea typeface="Open Sans"/>
-                <a:cs typeface="Open Sans"/>
-                <a:sym typeface="Open Sans"/>
-              </a:rPr>
-              <a:t>Lembre-se de que vocês terão </a:t>
-            </a:r>
-            <a:r>
-              <a:rPr lang="en" sz="1800" b="1">
-                <a:latin typeface="Open Sans"/>
-                <a:ea typeface="Open Sans"/>
-                <a:cs typeface="Open Sans"/>
-                <a:sym typeface="Open Sans"/>
-              </a:rPr>
-              <a:t>apenas 5 minutos</a:t>
-            </a:r>
-            <a:r>
-              <a:rPr lang="en" sz="1800">
-                <a:latin typeface="Open Sans"/>
-                <a:ea typeface="Open Sans"/>
-                <a:cs typeface="Open Sans"/>
-                <a:sym typeface="Open Sans"/>
-              </a:rPr>
-              <a:t> para apresentar a demo + pitch durante o open house. Sejam pontuais e precisas.</a:t>
-            </a:r>
-            <a:endParaRPr sz="1800">
-              <a:latin typeface="Open Sans"/>
-              <a:ea typeface="Open Sans"/>
-              <a:cs typeface="Open Sans"/>
-              <a:sym typeface="Open Sans"/>
-            </a:endParaRPr>
-          </a:p>
-        </p:txBody>
-      </p:sp>
-    </p:spTree>
-  </p:cSld>
-  <p:clrMapOvr>
-    <a:masterClrMapping/>
-  </p:clrMapOvr>
-  <p:timing>
-    <p:tnLst>
-      <p:par>
-        <p:cTn id="1" dur="indefinite" restart="never" nodeType="tmRoot"/>
-      </p:par>
-    </p:tnLst>
-  </p:timing>
-</p:sld>
-</file>
-
-<file path=ppt/slides/slide3.xml><?xml version="1.0" encoding="utf-8"?>
 <p:sld xmlns:a="http://schemas.openxmlformats.org/drawingml/2006/main" xmlns:r="http://schemas.openxmlformats.org/officeDocument/2006/relationships" xmlns:p="http://schemas.openxmlformats.org/presentationml/2006/main">
   <p:cSld>
     <p:spTree>
@@ -24027,6 +23716,69 @@
               </a:rPr>
               <a:t> </a:t>
             </a:r>
+            <a:endParaRPr lang="en" sz="1800" u="sng" dirty="0" smtClean="0">
+              <a:solidFill>
+                <a:schemeClr val="hlink"/>
+              </a:solidFill>
+              <a:latin typeface="Open Sans"/>
+              <a:ea typeface="Open Sans"/>
+              <a:cs typeface="Open Sans"/>
+              <a:sym typeface="Open Sans"/>
+            </a:endParaRPr>
+          </a:p>
+          <a:p>
+            <a:pPr marL="114300" lvl="0" algn="just">
+              <a:buSzPts val="1800"/>
+            </a:pPr>
+            <a:endParaRPr lang="en" sz="1800" u="sng" dirty="0" smtClean="0">
+              <a:solidFill>
+                <a:schemeClr val="hlink"/>
+              </a:solidFill>
+              <a:latin typeface="Open Sans"/>
+              <a:ea typeface="Open Sans"/>
+              <a:cs typeface="Open Sans"/>
+              <a:sym typeface="Open Sans"/>
+            </a:endParaRPr>
+          </a:p>
+          <a:p>
+            <a:pPr marL="457200" lvl="0" indent="-342900" algn="just">
+              <a:buSzPts val="1800"/>
+              <a:buFont typeface="Open Sans"/>
+              <a:buChar char="●"/>
+            </a:pPr>
+            <a:r>
+              <a:rPr lang="pt-BR" sz="1800" dirty="0">
+                <a:latin typeface="Open Sans"/>
+                <a:ea typeface="Open Sans"/>
+                <a:cs typeface="Open Sans"/>
+                <a:sym typeface="Open Sans"/>
+                <a:hlinkClick r:id="rId5"/>
+              </a:rPr>
+              <a:t>https://</a:t>
+            </a:r>
+            <a:r>
+              <a:rPr lang="pt-BR" sz="1800" dirty="0" smtClean="0">
+                <a:latin typeface="Open Sans"/>
+                <a:ea typeface="Open Sans"/>
+                <a:cs typeface="Open Sans"/>
+                <a:sym typeface="Open Sans"/>
+                <a:hlinkClick r:id="rId5"/>
+              </a:rPr>
+              <a:t>www.deezer.com/en/playlist/4749228108</a:t>
+            </a:r>
+            <a:endParaRPr lang="pt-BR" sz="1800" dirty="0" smtClean="0">
+              <a:latin typeface="Open Sans"/>
+              <a:ea typeface="Open Sans"/>
+              <a:cs typeface="Open Sans"/>
+              <a:sym typeface="Open Sans"/>
+            </a:endParaRPr>
+          </a:p>
+          <a:p>
+            <a:pPr marL="457200" lvl="0" indent="-342900" algn="just">
+              <a:buSzPts val="1800"/>
+              <a:buFont typeface="Open Sans"/>
+              <a:buChar char="●"/>
+            </a:pPr>
             <a:endParaRPr sz="1800" dirty="0">
               <a:latin typeface="Open Sans"/>
               <a:ea typeface="Open Sans"/>
@@ -24068,7 +23820,7 @@
 </p:sld>
 </file>
 
-<file path=ppt/slides/slide4.xml><?xml version="1.0" encoding="utf-8"?>
+<file path=ppt/slides/slide3.xml><?xml version="1.0" encoding="utf-8"?>
 <p:sld xmlns:a="http://schemas.openxmlformats.org/drawingml/2006/main" xmlns:r="http://schemas.openxmlformats.org/officeDocument/2006/relationships" xmlns:p="http://schemas.openxmlformats.org/presentationml/2006/main">
   <p:cSld>
     <p:spTree>
@@ -24500,12 +24252,6 @@
               </a:rPr>
               <a:t>Danielle</a:t>
             </a:r>
-            <a:endParaRPr lang="pt-BR" sz="1800" dirty="0" smtClean="0">
-              <a:latin typeface="Open Sans"/>
-              <a:ea typeface="Open Sans"/>
-              <a:cs typeface="Open Sans"/>
-              <a:sym typeface="Open Sans"/>
-            </a:endParaRPr>
           </a:p>
         </p:txBody>
       </p:sp>
@@ -24927,7 +24673,7 @@
 </p:sld>
 </file>
 
-<file path=ppt/slides/slide5.xml><?xml version="1.0" encoding="utf-8"?>
+<file path=ppt/slides/slide4.xml><?xml version="1.0" encoding="utf-8"?>
 <p:sld xmlns:a="http://schemas.openxmlformats.org/drawingml/2006/main" xmlns:r="http://schemas.openxmlformats.org/officeDocument/2006/relationships" xmlns:p="http://schemas.openxmlformats.org/presentationml/2006/main">
   <p:cSld>
     <p:bg>
@@ -24959,7 +24705,7 @@
         <p:spPr>
           <a:xfrm>
             <a:off x="0" y="0"/>
-            <a:ext cx="4480800" cy="5143500"/>
+            <a:ext cx="4972692" cy="5143500"/>
           </a:xfrm>
           <a:prstGeom prst="rect">
             <a:avLst/>
@@ -25014,8 +24760,8 @@
         </p:nvSpPr>
         <p:spPr>
           <a:xfrm>
-            <a:off x="5332150" y="3039075"/>
-            <a:ext cx="3328200" cy="1545300"/>
+            <a:off x="5310695" y="2689753"/>
+            <a:ext cx="3401790" cy="1903400"/>
           </a:xfrm>
           <a:prstGeom prst="rect">
             <a:avLst/>
@@ -25031,7 +24777,7 @@
           </a:bodyPr>
           <a:lstStyle/>
           <a:p>
-            <a:pPr marL="0" lvl="0" indent="0" rtl="0">
+            <a:pPr marL="0" lvl="0" indent="0" algn="just" rtl="0">
               <a:lnSpc>
                 <a:spcPct val="150000"/>
               </a:lnSpc>
@@ -25058,7 +24804,79 @@
                 <a:cs typeface="Open Sans"/>
                 <a:sym typeface="Open Sans"/>
               </a:rPr>
-              <a:t>Criar uma experiência musical mais completa dentro de um espaço histórico.</a:t>
+              <a:t>Como criar </a:t>
+            </a:r>
+            <a:r>
+              <a:rPr lang="pt-BR" sz="1800" dirty="0" smtClean="0">
+                <a:solidFill>
+                  <a:schemeClr val="dk1"/>
+                </a:solidFill>
+                <a:latin typeface="Open Sans"/>
+                <a:ea typeface="Open Sans"/>
+                <a:cs typeface="Open Sans"/>
+                <a:sym typeface="Open Sans"/>
+              </a:rPr>
+              <a:t>uma experiência </a:t>
+            </a:r>
+            <a:r>
+              <a:rPr lang="pt-BR" sz="1800" dirty="0" smtClean="0">
+                <a:solidFill>
+                  <a:schemeClr val="dk1"/>
+                </a:solidFill>
+                <a:latin typeface="Open Sans"/>
+                <a:ea typeface="Open Sans"/>
+                <a:cs typeface="Open Sans"/>
+                <a:sym typeface="Open Sans"/>
+              </a:rPr>
+              <a:t>cultural mais </a:t>
+            </a:r>
+            <a:r>
+              <a:rPr lang="pt-BR" sz="1800" dirty="0" smtClean="0">
+                <a:solidFill>
+                  <a:schemeClr val="dk1"/>
+                </a:solidFill>
+                <a:latin typeface="Open Sans"/>
+                <a:ea typeface="Open Sans"/>
+                <a:cs typeface="Open Sans"/>
+                <a:sym typeface="Open Sans"/>
+              </a:rPr>
+              <a:t>completa dentro de um espaço </a:t>
+            </a:r>
+            <a:r>
+              <a:rPr lang="pt-BR" sz="1800" dirty="0" smtClean="0">
+                <a:solidFill>
+                  <a:schemeClr val="dk1"/>
+                </a:solidFill>
+                <a:latin typeface="Open Sans"/>
+                <a:ea typeface="Open Sans"/>
+                <a:cs typeface="Open Sans"/>
+                <a:sym typeface="Open Sans"/>
+              </a:rPr>
+              <a:t>histórico</a:t>
+            </a:r>
+            <a:r>
+              <a:rPr lang="pt-BR" sz="1800" dirty="0">
+                <a:solidFill>
+                  <a:schemeClr val="dk1"/>
+                </a:solidFill>
+                <a:latin typeface="Open Sans"/>
+                <a:ea typeface="Open Sans"/>
+                <a:cs typeface="Open Sans"/>
+                <a:sym typeface="Open Sans"/>
+              </a:rPr>
+              <a:t> </a:t>
+            </a:r>
+            <a:r>
+              <a:rPr lang="pt-BR" sz="1800" dirty="0" smtClean="0">
+                <a:solidFill>
+                  <a:schemeClr val="dk1"/>
+                </a:solidFill>
+                <a:latin typeface="Open Sans"/>
+                <a:ea typeface="Open Sans"/>
+                <a:cs typeface="Open Sans"/>
+                <a:sym typeface="Open Sans"/>
+              </a:rPr>
+              <a:t>na cidade unindo música e entretenimento?</a:t>
             </a:r>
             <a:endParaRPr sz="1800" dirty="0">
               <a:solidFill>
@@ -25080,7 +24898,7 @@
         </p:nvSpPr>
         <p:spPr>
           <a:xfrm>
-            <a:off x="5283024" y="2505300"/>
+            <a:off x="5310695" y="2046488"/>
             <a:ext cx="2961900" cy="503100"/>
           </a:xfrm>
           <a:prstGeom prst="rect">
@@ -25115,7 +24933,7 @@
               <a:buNone/>
             </a:pPr>
             <a:r>
-              <a:rPr lang="en" sz="2400" b="1">
+              <a:rPr lang="en" sz="2400" b="1" dirty="0">
                 <a:latin typeface="Bitter"/>
                 <a:ea typeface="Bitter"/>
                 <a:cs typeface="Bitter"/>
@@ -25123,7 +24941,7 @@
               </a:rPr>
               <a:t>O desafio</a:t>
             </a:r>
-            <a:endParaRPr sz="2400" b="1" i="0" u="none" strike="noStrike" cap="none">
+            <a:endParaRPr sz="2400" b="1" i="0" u="none" strike="noStrike" cap="none" dirty="0">
               <a:solidFill>
                 <a:srgbClr val="000000"/>
               </a:solidFill>
@@ -25214,7 +25032,7 @@
         <p:spPr>
           <a:xfrm>
             <a:off x="216650" y="163575"/>
-            <a:ext cx="4480799" cy="4772026"/>
+            <a:ext cx="4519737" cy="4772026"/>
           </a:xfrm>
           <a:prstGeom prst="rect">
             <a:avLst/>
@@ -25236,7 +25054,7 @@
 </p:sld>
 </file>
 
-<file path=ppt/slides/slide6.xml><?xml version="1.0" encoding="utf-8"?>
+<file path=ppt/slides/slide5.xml><?xml version="1.0" encoding="utf-8"?>
 <p:sld xmlns:a="http://schemas.openxmlformats.org/drawingml/2006/main" xmlns:r="http://schemas.openxmlformats.org/officeDocument/2006/relationships" xmlns:p="http://schemas.openxmlformats.org/presentationml/2006/main">
   <p:cSld>
     <p:bg>
@@ -25268,7 +25086,7 @@
         <p:spPr>
           <a:xfrm>
             <a:off x="0" y="0"/>
-            <a:ext cx="4480800" cy="5143500"/>
+            <a:ext cx="4849402" cy="5143500"/>
           </a:xfrm>
           <a:prstGeom prst="rect">
             <a:avLst/>
@@ -25323,8 +25141,8 @@
         </p:nvSpPr>
         <p:spPr>
           <a:xfrm>
-            <a:off x="5332150" y="3039075"/>
-            <a:ext cx="3328200" cy="1545300"/>
+            <a:off x="5276471" y="2346480"/>
+            <a:ext cx="3693486" cy="2235120"/>
           </a:xfrm>
           <a:prstGeom prst="rect">
             <a:avLst/>
@@ -25340,35 +25158,7 @@
           </a:bodyPr>
           <a:lstStyle/>
           <a:p>
-            <a:pPr marL="0" lvl="0" indent="0" rtl="0">
-              <a:lnSpc>
-                <a:spcPct val="150000"/>
-              </a:lnSpc>
-              <a:spcBef>
-                <a:spcPts val="0"/>
-              </a:spcBef>
-              <a:spcAft>
-                <a:spcPts val="0"/>
-              </a:spcAft>
-              <a:buClr>
-                <a:schemeClr val="dk1"/>
-              </a:buClr>
-              <a:buSzPts val="1100"/>
-              <a:buFont typeface="Arial"/>
-              <a:buNone/>
-            </a:pPr>
-            <a:endParaRPr lang="en" sz="1800" dirty="0">
-              <a:solidFill>
-                <a:schemeClr val="dk1"/>
-              </a:solidFill>
-              <a:latin typeface="Open Sans"/>
-              <a:ea typeface="Open Sans"/>
-              <a:cs typeface="Open Sans"/>
-              <a:sym typeface="Open Sans"/>
-            </a:endParaRPr>
-          </a:p>
-          <a:p>
-            <a:pPr>
+            <a:pPr algn="just">
               <a:lnSpc>
                 <a:spcPct val="150000"/>
               </a:lnSpc>
@@ -25387,7 +25177,19 @@
                 <a:cs typeface="Open Sans"/>
                 <a:sym typeface="Open Sans"/>
               </a:rPr>
-              <a:t>Geração de QR Codes em pontos</a:t>
+              <a:t>Criar QR </a:t>
+            </a:r>
+            <a:r>
+              <a:rPr lang="en" sz="1800" dirty="0" smtClean="0">
+                <a:solidFill>
+                  <a:schemeClr val="dk1"/>
+                </a:solidFill>
+                <a:latin typeface="Open Sans"/>
+                <a:ea typeface="Open Sans"/>
+                <a:cs typeface="Open Sans"/>
+                <a:sym typeface="Open Sans"/>
+              </a:rPr>
+              <a:t>Codes em pontos</a:t>
             </a:r>
             <a:r>
               <a:rPr lang="pt-BR" sz="1800" dirty="0" smtClean="0">
@@ -25411,7 +25213,7 @@
                 <a:cs typeface="Open Sans"/>
                 <a:sym typeface="Open Sans"/>
               </a:rPr>
-              <a:t>turísticos e culturais de São </a:t>
+              <a:t>turísticos e </a:t>
             </a:r>
             <a:r>
               <a:rPr lang="pt-BR" sz="1800" dirty="0" smtClean="0">
@@ -25423,7 +25225,7 @@
                 <a:cs typeface="Open Sans"/>
                 <a:sym typeface="Open Sans"/>
               </a:rPr>
-              <a:t>Paulo, </a:t>
+              <a:t>culturais da cidade </a:t>
             </a:r>
             <a:r>
               <a:rPr lang="en" sz="1800" dirty="0" smtClean="0">
@@ -25435,7 +25237,31 @@
                 <a:cs typeface="Open Sans"/>
                 <a:sym typeface="Open Sans"/>
               </a:rPr>
-              <a:t>atrelados a um site com playlists nacionais.</a:t>
+              <a:t>que direcionam </a:t>
+            </a:r>
+            <a:r>
+              <a:rPr lang="en" sz="1800" dirty="0" smtClean="0">
+                <a:solidFill>
+                  <a:schemeClr val="dk1"/>
+                </a:solidFill>
+                <a:latin typeface="Open Sans"/>
+                <a:ea typeface="Open Sans"/>
+                <a:cs typeface="Open Sans"/>
+                <a:sym typeface="Open Sans"/>
+              </a:rPr>
+              <a:t>a um site com playlists </a:t>
+            </a:r>
+            <a:r>
+              <a:rPr lang="en" sz="1800" dirty="0" smtClean="0">
+                <a:solidFill>
+                  <a:schemeClr val="dk1"/>
+                </a:solidFill>
+                <a:latin typeface="Open Sans"/>
+                <a:ea typeface="Open Sans"/>
+                <a:cs typeface="Open Sans"/>
+                <a:sym typeface="Open Sans"/>
+              </a:rPr>
+              <a:t>personalizadas de músicas brasileiras relacionadas ao local.</a:t>
             </a:r>
             <a:endParaRPr sz="1800" dirty="0">
               <a:solidFill>
@@ -25457,7 +25283,7 @@
         </p:nvSpPr>
         <p:spPr>
           <a:xfrm>
-            <a:off x="5283024" y="2505300"/>
+            <a:off x="5276471" y="1686283"/>
             <a:ext cx="2961900" cy="503100"/>
           </a:xfrm>
           <a:prstGeom prst="rect">
@@ -25492,7 +25318,7 @@
               <a:buNone/>
             </a:pPr>
             <a:r>
-              <a:rPr lang="en" sz="2400" b="1">
+              <a:rPr lang="en" sz="2400" b="1" dirty="0">
                 <a:latin typeface="Bitter"/>
                 <a:ea typeface="Bitter"/>
                 <a:cs typeface="Bitter"/>
@@ -25500,7 +25326,7 @@
               </a:rPr>
               <a:t>A solução</a:t>
             </a:r>
-            <a:endParaRPr sz="2400" b="1" i="0" u="none" strike="noStrike" cap="none">
+            <a:endParaRPr sz="2400" b="1" i="0" u="none" strike="noStrike" cap="none" dirty="0">
               <a:solidFill>
                 <a:srgbClr val="000000"/>
               </a:solidFill>
@@ -25591,7 +25417,237 @@
         <p:spPr>
           <a:xfrm>
             <a:off x="216650" y="195659"/>
-            <a:ext cx="4480799" cy="4772026"/>
+            <a:ext cx="4383913" cy="4772026"/>
+          </a:xfrm>
+          <a:prstGeom prst="rect">
+            <a:avLst/>
+          </a:prstGeom>
+        </p:spPr>
+      </p:pic>
+    </p:spTree>
+  </p:cSld>
+  <p:clrMapOvr>
+    <a:masterClrMapping/>
+  </p:clrMapOvr>
+  <p:timing>
+    <p:tnLst>
+      <p:par>
+        <p:cTn id="1" dur="indefinite" restart="never" nodeType="tmRoot"/>
+      </p:par>
+    </p:tnLst>
+  </p:timing>
+</p:sld>
+</file>
+
+<file path=ppt/slides/slide6.xml><?xml version="1.0" encoding="utf-8"?>
+<p:sld xmlns:a="http://schemas.openxmlformats.org/drawingml/2006/main" xmlns:r="http://schemas.openxmlformats.org/officeDocument/2006/relationships" xmlns:p="http://schemas.openxmlformats.org/presentationml/2006/main">
+  <p:cSld>
+    <p:bg>
+      <p:bgPr>
+        <a:solidFill>
+          <a:srgbClr val="56F89A"/>
+        </a:solidFill>
+        <a:effectLst/>
+      </p:bgPr>
+    </p:bg>
+    <p:spTree>
+      <p:nvGrpSpPr>
+        <p:cNvPr id="1" name="Shape 167"/>
+        <p:cNvGrpSpPr/>
+        <p:nvPr/>
+      </p:nvGrpSpPr>
+      <p:grpSpPr>
+        <a:xfrm>
+          <a:off x="0" y="0"/>
+          <a:ext cx="0" cy="0"/>
+          <a:chOff x="0" y="0"/>
+          <a:chExt cx="0" cy="0"/>
+        </a:xfrm>
+      </p:grpSpPr>
+      <p:sp>
+        <p:nvSpPr>
+          <p:cNvPr id="169" name="Google Shape;169;p36"/>
+          <p:cNvSpPr txBox="1"/>
+          <p:nvPr/>
+        </p:nvSpPr>
+        <p:spPr>
+          <a:xfrm>
+            <a:off x="4417090" y="2130325"/>
+            <a:ext cx="4320300" cy="2096100"/>
+          </a:xfrm>
+          <a:prstGeom prst="rect">
+            <a:avLst/>
+          </a:prstGeom>
+          <a:noFill/>
+          <a:ln>
+            <a:noFill/>
+          </a:ln>
+        </p:spPr>
+        <p:txBody>
+          <a:bodyPr spcFirstLastPara="1" wrap="square" lIns="91425" tIns="45700" rIns="91425" bIns="45700" anchor="t" anchorCtr="0">
+            <a:noAutofit/>
+          </a:bodyPr>
+          <a:lstStyle/>
+          <a:p>
+            <a:pPr marL="0" marR="0" lvl="0" indent="0" algn="l" rtl="0">
+              <a:lnSpc>
+                <a:spcPct val="100000"/>
+              </a:lnSpc>
+              <a:spcBef>
+                <a:spcPts val="0"/>
+              </a:spcBef>
+              <a:spcAft>
+                <a:spcPts val="0"/>
+              </a:spcAft>
+              <a:buClr>
+                <a:srgbClr val="000000"/>
+              </a:buClr>
+              <a:buSzPts val="7200"/>
+              <a:buFont typeface="Arial"/>
+              <a:buNone/>
+            </a:pPr>
+            <a:endParaRPr sz="4800" dirty="0">
+              <a:latin typeface="Bitter"/>
+              <a:ea typeface="Bitter"/>
+              <a:cs typeface="Bitter"/>
+              <a:sym typeface="Bitter"/>
+            </a:endParaRPr>
+          </a:p>
+          <a:p>
+            <a:pPr marL="0" marR="0" lvl="0" indent="0" algn="l" rtl="0">
+              <a:lnSpc>
+                <a:spcPct val="100000"/>
+              </a:lnSpc>
+              <a:spcBef>
+                <a:spcPts val="0"/>
+              </a:spcBef>
+              <a:spcAft>
+                <a:spcPts val="0"/>
+              </a:spcAft>
+              <a:buClr>
+                <a:srgbClr val="000000"/>
+              </a:buClr>
+              <a:buSzPts val="7200"/>
+              <a:buFont typeface="Arial"/>
+              <a:buNone/>
+            </a:pPr>
+            <a:endParaRPr sz="7200" dirty="0">
+              <a:latin typeface="Bitter"/>
+              <a:ea typeface="Bitter"/>
+              <a:cs typeface="Bitter"/>
+              <a:sym typeface="Bitter"/>
+            </a:endParaRPr>
+          </a:p>
+        </p:txBody>
+      </p:sp>
+      <p:pic>
+        <p:nvPicPr>
+          <p:cNvPr id="171" name="Google Shape;171;p36"/>
+          <p:cNvPicPr preferRelativeResize="0"/>
+          <p:nvPr/>
+        </p:nvPicPr>
+        <p:blipFill rotWithShape="1">
+          <a:blip r:embed="rId3">
+            <a:alphaModFix/>
+          </a:blip>
+          <a:srcRect t="27891"/>
+          <a:stretch/>
+        </p:blipFill>
+        <p:spPr>
+          <a:xfrm>
+            <a:off x="5620000" y="0"/>
+            <a:ext cx="3347051" cy="1749601"/>
+          </a:xfrm>
+          <a:prstGeom prst="rect">
+            <a:avLst/>
+          </a:prstGeom>
+          <a:noFill/>
+          <a:ln>
+            <a:noFill/>
+          </a:ln>
+        </p:spPr>
+      </p:pic>
+      <p:pic>
+        <p:nvPicPr>
+          <p:cNvPr id="172" name="Google Shape;172;p36"/>
+          <p:cNvPicPr preferRelativeResize="0"/>
+          <p:nvPr/>
+        </p:nvPicPr>
+        <p:blipFill rotWithShape="1">
+          <a:blip r:embed="rId4">
+            <a:alphaModFix/>
+          </a:blip>
+          <a:srcRect b="27641"/>
+          <a:stretch/>
+        </p:blipFill>
+        <p:spPr>
+          <a:xfrm>
+            <a:off x="-3850" y="4257152"/>
+            <a:ext cx="1842400" cy="886351"/>
+          </a:xfrm>
+          <a:prstGeom prst="rect">
+            <a:avLst/>
+          </a:prstGeom>
+          <a:noFill/>
+          <a:ln>
+            <a:noFill/>
+          </a:ln>
+        </p:spPr>
+      </p:pic>
+      <p:pic>
+        <p:nvPicPr>
+          <p:cNvPr id="3" name="Imagem 2"/>
+          <p:cNvPicPr>
+            <a:picLocks noChangeAspect="1"/>
+          </p:cNvPicPr>
+          <p:nvPr/>
+        </p:nvPicPr>
+        <p:blipFill>
+          <a:blip r:embed="rId5">
+            <a:extLst>
+              <a:ext uri="{28A0092B-C50C-407E-A947-70E740481C1C}">
+                <a14:useLocalDpi xmlns:a14="http://schemas.microsoft.com/office/drawing/2010/main" val="0"/>
+              </a:ext>
+            </a:extLst>
+          </a:blip>
+          <a:stretch>
+            <a:fillRect/>
+          </a:stretch>
+        </p:blipFill>
+        <p:spPr>
+          <a:xfrm>
+            <a:off x="1141941" y="166135"/>
+            <a:ext cx="3275149" cy="3928379"/>
+          </a:xfrm>
+          <a:prstGeom prst="rect">
+            <a:avLst/>
+          </a:prstGeom>
+        </p:spPr>
+      </p:pic>
+      <p:pic>
+        <p:nvPicPr>
+          <p:cNvPr id="2" name="Imagem 1"/>
+          <p:cNvPicPr>
+            <a:picLocks noChangeAspect="1"/>
+          </p:cNvPicPr>
+          <p:nvPr/>
+        </p:nvPicPr>
+        <p:blipFill>
+          <a:blip r:embed="rId6">
+            <a:extLst>
+              <a:ext uri="{28A0092B-C50C-407E-A947-70E740481C1C}">
+                <a14:useLocalDpi xmlns:a14="http://schemas.microsoft.com/office/drawing/2010/main" val="0"/>
+              </a:ext>
+            </a:extLst>
+          </a:blip>
+          <a:stretch>
+            <a:fillRect/>
+          </a:stretch>
+        </p:blipFill>
+        <p:spPr>
+          <a:xfrm>
+            <a:off x="4983003" y="2016730"/>
+            <a:ext cx="2857500" cy="2857500"/>
           </a:xfrm>
           <a:prstGeom prst="rect">
             <a:avLst/>
@@ -25640,62 +25696,6 @@
       </p:grpSpPr>
       <p:sp>
         <p:nvSpPr>
-          <p:cNvPr id="168" name="Google Shape;168;p36"/>
-          <p:cNvSpPr/>
-          <p:nvPr/>
-        </p:nvSpPr>
-        <p:spPr>
-          <a:xfrm>
-            <a:off x="304501" y="278095"/>
-            <a:ext cx="3822000" cy="4584300"/>
-          </a:xfrm>
-          <a:prstGeom prst="rect">
-            <a:avLst/>
-          </a:prstGeom>
-          <a:solidFill>
-            <a:srgbClr val="FFFFFF"/>
-          </a:solidFill>
-          <a:ln>
-            <a:noFill/>
-          </a:ln>
-        </p:spPr>
-        <p:txBody>
-          <a:bodyPr spcFirstLastPara="1" wrap="square" lIns="91425" tIns="91425" rIns="91425" bIns="91425" anchor="ctr" anchorCtr="0">
-            <a:noAutofit/>
-          </a:bodyPr>
-          <a:lstStyle/>
-          <a:p>
-            <a:pPr marL="0" marR="0" lvl="0" indent="0" algn="l" rtl="0">
-              <a:lnSpc>
-                <a:spcPct val="100000"/>
-              </a:lnSpc>
-              <a:spcBef>
-                <a:spcPts val="0"/>
-              </a:spcBef>
-              <a:spcAft>
-                <a:spcPts val="0"/>
-              </a:spcAft>
-              <a:buClr>
-                <a:srgbClr val="000000"/>
-              </a:buClr>
-              <a:buSzPts val="1400"/>
-              <a:buFont typeface="Arial"/>
-              <a:buNone/>
-            </a:pPr>
-            <a:endParaRPr sz="1400" b="0" i="0" u="none" strike="noStrike" cap="none">
-              <a:solidFill>
-                <a:srgbClr val="000000"/>
-              </a:solidFill>
-              <a:latin typeface="Arial"/>
-              <a:ea typeface="Arial"/>
-              <a:cs typeface="Arial"/>
-              <a:sym typeface="Arial"/>
-            </a:endParaRPr>
-          </a:p>
-        </p:txBody>
-      </p:sp>
-      <p:sp>
-        <p:nvSpPr>
           <p:cNvPr id="169" name="Google Shape;169;p36"/>
           <p:cNvSpPr txBox="1"/>
           <p:nvPr/>
@@ -25737,7 +25737,7 @@
               <a:buNone/>
             </a:pPr>
             <a:r>
-              <a:rPr lang="en" sz="4800">
+              <a:rPr lang="en" sz="4800" dirty="0">
                 <a:latin typeface="Bitter"/>
                 <a:ea typeface="Bitter"/>
                 <a:cs typeface="Bitter"/>
@@ -25745,7 +25745,7 @@
               </a:rPr>
               <a:t>Coloque a sua demo aqui</a:t>
             </a:r>
-            <a:endParaRPr sz="4800">
+            <a:endParaRPr sz="4800" dirty="0">
               <a:latin typeface="Bitter"/>
               <a:ea typeface="Bitter"/>
               <a:cs typeface="Bitter"/>
@@ -25770,7 +25770,7 @@
               <a:buFont typeface="Arial"/>
               <a:buNone/>
             </a:pPr>
-            <a:endParaRPr sz="7200">
+            <a:endParaRPr sz="7200" dirty="0">
               <a:latin typeface="Bitter"/>
               <a:ea typeface="Bitter"/>
               <a:cs typeface="Bitter"/>
@@ -25860,37 +25860,12 @@
           </a:ln>
         </p:spPr>
       </p:pic>
-      <p:pic>
-        <p:nvPicPr>
-          <p:cNvPr id="3" name="Imagem 2"/>
-          <p:cNvPicPr>
-            <a:picLocks noChangeAspect="1"/>
-          </p:cNvPicPr>
-          <p:nvPr/>
-        </p:nvPicPr>
-        <p:blipFill>
-          <a:blip r:embed="rId6">
-            <a:extLst>
-              <a:ext uri="{28A0092B-C50C-407E-A947-70E740481C1C}">
-                <a14:useLocalDpi xmlns:a14="http://schemas.microsoft.com/office/drawing/2010/main" val="0"/>
-              </a:ext>
-            </a:extLst>
-          </a:blip>
-          <a:stretch>
-            <a:fillRect/>
-          </a:stretch>
-        </p:blipFill>
-        <p:spPr>
-          <a:xfrm>
-            <a:off x="304501" y="278095"/>
-            <a:ext cx="3822001" cy="4584300"/>
-          </a:xfrm>
-          <a:prstGeom prst="rect">
-            <a:avLst/>
-          </a:prstGeom>
-        </p:spPr>
-      </p:pic>
     </p:spTree>
+    <p:extLst>
+      <p:ext uri="{BB962C8B-B14F-4D97-AF65-F5344CB8AC3E}">
+        <p14:creationId xmlns:p14="http://schemas.microsoft.com/office/powerpoint/2010/main" val="1404952854"/>
+      </p:ext>
+    </p:extLst>
   </p:cSld>
   <p:clrMapOvr>
     <a:masterClrMapping/>
